--- a/images/Figures.pptx
+++ b/images/Figures.pptx
@@ -6,6 +6,7 @@
   </p:sldMasterIdLst>
   <p:sldIdLst>
     <p:sldId id="256" r:id="rId2"/>
+    <p:sldId id="257" r:id="rId3"/>
   </p:sldIdLst>
   <p:sldSz cx="15792450" cy="6858000"/>
   <p:notesSz cx="9144000" cy="6858000"/>
@@ -104,6 +105,11 @@
       </a:defRPr>
     </a:lvl9pPr>
   </p:defaultTextStyle>
+  <p:extLst>
+    <p:ext uri="{EFAFB233-063F-42B5-8137-9DF3F51BA10A}">
+      <p15:sldGuideLst xmlns:p15="http://schemas.microsoft.com/office/powerpoint/2012/main"/>
+    </p:ext>
+  </p:extLst>
 </p:presentation>
 </file>
 
@@ -238,7 +244,7 @@
           <a:p>
             <a:fld id="{7BCF87D1-2764-4C56-A6CE-17986B452CD5}" type="datetimeFigureOut">
               <a:rPr lang="en-IN" smtClean="0"/>
-              <a:t>29-08-2019</a:t>
+              <a:t>19-09-2019</a:t>
             </a:fld>
             <a:endParaRPr lang="en-IN"/>
           </a:p>
@@ -408,7 +414,7 @@
           <a:p>
             <a:fld id="{7BCF87D1-2764-4C56-A6CE-17986B452CD5}" type="datetimeFigureOut">
               <a:rPr lang="en-IN" smtClean="0"/>
-              <a:t>29-08-2019</a:t>
+              <a:t>19-09-2019</a:t>
             </a:fld>
             <a:endParaRPr lang="en-IN"/>
           </a:p>
@@ -588,7 +594,7 @@
           <a:p>
             <a:fld id="{7BCF87D1-2764-4C56-A6CE-17986B452CD5}" type="datetimeFigureOut">
               <a:rPr lang="en-IN" smtClean="0"/>
-              <a:t>29-08-2019</a:t>
+              <a:t>19-09-2019</a:t>
             </a:fld>
             <a:endParaRPr lang="en-IN"/>
           </a:p>
@@ -758,7 +764,7 @@
           <a:p>
             <a:fld id="{7BCF87D1-2764-4C56-A6CE-17986B452CD5}" type="datetimeFigureOut">
               <a:rPr lang="en-IN" smtClean="0"/>
-              <a:t>29-08-2019</a:t>
+              <a:t>19-09-2019</a:t>
             </a:fld>
             <a:endParaRPr lang="en-IN"/>
           </a:p>
@@ -1004,7 +1010,7 @@
           <a:p>
             <a:fld id="{7BCF87D1-2764-4C56-A6CE-17986B452CD5}" type="datetimeFigureOut">
               <a:rPr lang="en-IN" smtClean="0"/>
-              <a:t>29-08-2019</a:t>
+              <a:t>19-09-2019</a:t>
             </a:fld>
             <a:endParaRPr lang="en-IN"/>
           </a:p>
@@ -1236,7 +1242,7 @@
           <a:p>
             <a:fld id="{7BCF87D1-2764-4C56-A6CE-17986B452CD5}" type="datetimeFigureOut">
               <a:rPr lang="en-IN" smtClean="0"/>
-              <a:t>29-08-2019</a:t>
+              <a:t>19-09-2019</a:t>
             </a:fld>
             <a:endParaRPr lang="en-IN"/>
           </a:p>
@@ -1603,7 +1609,7 @@
           <a:p>
             <a:fld id="{7BCF87D1-2764-4C56-A6CE-17986B452CD5}" type="datetimeFigureOut">
               <a:rPr lang="en-IN" smtClean="0"/>
-              <a:t>29-08-2019</a:t>
+              <a:t>19-09-2019</a:t>
             </a:fld>
             <a:endParaRPr lang="en-IN"/>
           </a:p>
@@ -1721,7 +1727,7 @@
           <a:p>
             <a:fld id="{7BCF87D1-2764-4C56-A6CE-17986B452CD5}" type="datetimeFigureOut">
               <a:rPr lang="en-IN" smtClean="0"/>
-              <a:t>29-08-2019</a:t>
+              <a:t>19-09-2019</a:t>
             </a:fld>
             <a:endParaRPr lang="en-IN"/>
           </a:p>
@@ -1816,7 +1822,7 @@
           <a:p>
             <a:fld id="{7BCF87D1-2764-4C56-A6CE-17986B452CD5}" type="datetimeFigureOut">
               <a:rPr lang="en-IN" smtClean="0"/>
-              <a:t>29-08-2019</a:t>
+              <a:t>19-09-2019</a:t>
             </a:fld>
             <a:endParaRPr lang="en-IN"/>
           </a:p>
@@ -2093,7 +2099,7 @@
           <a:p>
             <a:fld id="{7BCF87D1-2764-4C56-A6CE-17986B452CD5}" type="datetimeFigureOut">
               <a:rPr lang="en-IN" smtClean="0"/>
-              <a:t>29-08-2019</a:t>
+              <a:t>19-09-2019</a:t>
             </a:fld>
             <a:endParaRPr lang="en-IN"/>
           </a:p>
@@ -2350,7 +2356,7 @@
           <a:p>
             <a:fld id="{7BCF87D1-2764-4C56-A6CE-17986B452CD5}" type="datetimeFigureOut">
               <a:rPr lang="en-IN" smtClean="0"/>
-              <a:t>29-08-2019</a:t>
+              <a:t>19-09-2019</a:t>
             </a:fld>
             <a:endParaRPr lang="en-IN"/>
           </a:p>
@@ -2568,7 +2574,7 @@
           <a:p>
             <a:fld id="{7BCF87D1-2764-4C56-A6CE-17986B452CD5}" type="datetimeFigureOut">
               <a:rPr lang="en-IN" smtClean="0"/>
-              <a:t>29-08-2019</a:t>
+              <a:t>19-09-2019</a:t>
             </a:fld>
             <a:endParaRPr lang="en-IN"/>
           </a:p>
@@ -4546,6 +4552,321 @@
 </p:sld>
 </file>
 
+<file path=ppt/slides/slide2.xml><?xml version="1.0" encoding="utf-8"?>
+<p:sld xmlns:a="http://schemas.openxmlformats.org/drawingml/2006/main" xmlns:r="http://schemas.openxmlformats.org/officeDocument/2006/relationships" xmlns:p="http://schemas.openxmlformats.org/presentationml/2006/main">
+  <p:cSld>
+    <p:spTree>
+      <p:nvGrpSpPr>
+        <p:cNvPr id="1" name=""/>
+        <p:cNvGrpSpPr/>
+        <p:nvPr/>
+      </p:nvGrpSpPr>
+      <p:grpSpPr>
+        <a:xfrm>
+          <a:off x="0" y="0"/>
+          <a:ext cx="0" cy="0"/>
+          <a:chOff x="0" y="0"/>
+          <a:chExt cx="0" cy="0"/>
+        </a:xfrm>
+      </p:grpSpPr>
+      <p:pic>
+        <p:nvPicPr>
+          <p:cNvPr id="8" name="Picture 7" descr="A large pool of water&#10;&#10;Description automatically generated">
+            <a:extLst>
+              <a:ext uri="{FF2B5EF4-FFF2-40B4-BE49-F238E27FC236}">
+                <a16:creationId xmlns:a16="http://schemas.microsoft.com/office/drawing/2014/main" id="{43EA7513-6D98-49FB-896D-9FBBA1F64710}"/>
+              </a:ext>
+            </a:extLst>
+          </p:cNvPr>
+          <p:cNvPicPr>
+            <a:picLocks noChangeAspect="1"/>
+          </p:cNvPicPr>
+          <p:nvPr/>
+        </p:nvPicPr>
+        <p:blipFill>
+          <a:blip r:embed="rId2">
+            <a:extLst>
+              <a:ext uri="{28A0092B-C50C-407E-A947-70E740481C1C}">
+                <a14:useLocalDpi xmlns:a14="http://schemas.microsoft.com/office/drawing/2010/main" val="0"/>
+              </a:ext>
+            </a:extLst>
+          </a:blip>
+          <a:stretch>
+            <a:fillRect/>
+          </a:stretch>
+        </p:blipFill>
+        <p:spPr>
+          <a:xfrm>
+            <a:off x="0" y="309963"/>
+            <a:ext cx="5368834" cy="3119037"/>
+          </a:xfrm>
+          <a:prstGeom prst="rect">
+            <a:avLst/>
+          </a:prstGeom>
+        </p:spPr>
+      </p:pic>
+      <p:pic>
+        <p:nvPicPr>
+          <p:cNvPr id="10" name="Picture 9" descr="A picture containing water, building, boat, sitting&#10;&#10;Description automatically generated">
+            <a:extLst>
+              <a:ext uri="{FF2B5EF4-FFF2-40B4-BE49-F238E27FC236}">
+                <a16:creationId xmlns:a16="http://schemas.microsoft.com/office/drawing/2014/main" id="{DAB8867F-6C9D-44F0-AC93-DF98EDE669E9}"/>
+              </a:ext>
+            </a:extLst>
+          </p:cNvPr>
+          <p:cNvPicPr>
+            <a:picLocks noChangeAspect="1"/>
+          </p:cNvPicPr>
+          <p:nvPr/>
+        </p:nvPicPr>
+        <p:blipFill>
+          <a:blip r:embed="rId3">
+            <a:extLst>
+              <a:ext uri="{28A0092B-C50C-407E-A947-70E740481C1C}">
+                <a14:useLocalDpi xmlns:a14="http://schemas.microsoft.com/office/drawing/2010/main" val="0"/>
+              </a:ext>
+            </a:extLst>
+          </a:blip>
+          <a:stretch>
+            <a:fillRect/>
+          </a:stretch>
+        </p:blipFill>
+        <p:spPr>
+          <a:xfrm>
+            <a:off x="0" y="3738963"/>
+            <a:ext cx="5368834" cy="3119037"/>
+          </a:xfrm>
+          <a:prstGeom prst="rect">
+            <a:avLst/>
+          </a:prstGeom>
+        </p:spPr>
+      </p:pic>
+      <p:pic>
+        <p:nvPicPr>
+          <p:cNvPr id="12" name="Picture 11" descr="A pool of water&#10;&#10;Description automatically generated">
+            <a:extLst>
+              <a:ext uri="{FF2B5EF4-FFF2-40B4-BE49-F238E27FC236}">
+                <a16:creationId xmlns:a16="http://schemas.microsoft.com/office/drawing/2014/main" id="{7AD89BDE-CD66-4D5C-9D74-FB73FDAA34C7}"/>
+              </a:ext>
+            </a:extLst>
+          </p:cNvPr>
+          <p:cNvPicPr>
+            <a:picLocks noChangeAspect="1"/>
+          </p:cNvPicPr>
+          <p:nvPr/>
+        </p:nvPicPr>
+        <p:blipFill>
+          <a:blip r:embed="rId4">
+            <a:extLst>
+              <a:ext uri="{28A0092B-C50C-407E-A947-70E740481C1C}">
+                <a14:useLocalDpi xmlns:a14="http://schemas.microsoft.com/office/drawing/2010/main" val="0"/>
+              </a:ext>
+            </a:extLst>
+          </a:blip>
+          <a:stretch>
+            <a:fillRect/>
+          </a:stretch>
+        </p:blipFill>
+        <p:spPr>
+          <a:xfrm>
+            <a:off x="5672272" y="3738961"/>
+            <a:ext cx="5368836" cy="3119038"/>
+          </a:xfrm>
+          <a:prstGeom prst="rect">
+            <a:avLst/>
+          </a:prstGeom>
+        </p:spPr>
+      </p:pic>
+      <p:pic>
+        <p:nvPicPr>
+          <p:cNvPr id="14" name="Picture 13" descr="A boat in the water&#10;&#10;Description automatically generated">
+            <a:extLst>
+              <a:ext uri="{FF2B5EF4-FFF2-40B4-BE49-F238E27FC236}">
+                <a16:creationId xmlns:a16="http://schemas.microsoft.com/office/drawing/2014/main" id="{468C7EC7-7920-4777-8C12-6DB2A097E02E}"/>
+              </a:ext>
+            </a:extLst>
+          </p:cNvPr>
+          <p:cNvPicPr>
+            <a:picLocks noChangeAspect="1"/>
+          </p:cNvPicPr>
+          <p:nvPr/>
+        </p:nvPicPr>
+        <p:blipFill>
+          <a:blip r:embed="rId5">
+            <a:extLst>
+              <a:ext uri="{28A0092B-C50C-407E-A947-70E740481C1C}">
+                <a14:useLocalDpi xmlns:a14="http://schemas.microsoft.com/office/drawing/2010/main" val="0"/>
+              </a:ext>
+            </a:extLst>
+          </a:blip>
+          <a:stretch>
+            <a:fillRect/>
+          </a:stretch>
+        </p:blipFill>
+        <p:spPr>
+          <a:xfrm>
+            <a:off x="5672274" y="309963"/>
+            <a:ext cx="5368834" cy="3119037"/>
+          </a:xfrm>
+          <a:prstGeom prst="rect">
+            <a:avLst/>
+          </a:prstGeom>
+        </p:spPr>
+      </p:pic>
+      <p:sp>
+        <p:nvSpPr>
+          <p:cNvPr id="15" name="TextBox 14">
+            <a:extLst>
+              <a:ext uri="{FF2B5EF4-FFF2-40B4-BE49-F238E27FC236}">
+                <a16:creationId xmlns:a16="http://schemas.microsoft.com/office/drawing/2014/main" id="{B417CAC1-01D3-4A61-A72D-28B40EAF194F}"/>
+              </a:ext>
+            </a:extLst>
+          </p:cNvPr>
+          <p:cNvSpPr txBox="1"/>
+          <p:nvPr/>
+        </p:nvSpPr>
+        <p:spPr>
+          <a:xfrm>
+            <a:off x="7863296" y="3429000"/>
+            <a:ext cx="931002" cy="369332"/>
+          </a:xfrm>
+          <a:prstGeom prst="rect">
+            <a:avLst/>
+          </a:prstGeom>
+          <a:noFill/>
+        </p:spPr>
+        <p:txBody>
+          <a:bodyPr wrap="square" rtlCol="0">
+            <a:spAutoFit/>
+          </a:bodyPr>
+          <a:lstStyle/>
+          <a:p>
+            <a:r>
+              <a:rPr lang="en-IN" dirty="0"/>
+              <a:t>SRGAN</a:t>
+            </a:r>
+          </a:p>
+        </p:txBody>
+      </p:sp>
+      <p:sp>
+        <p:nvSpPr>
+          <p:cNvPr id="16" name="TextBox 15">
+            <a:extLst>
+              <a:ext uri="{FF2B5EF4-FFF2-40B4-BE49-F238E27FC236}">
+                <a16:creationId xmlns:a16="http://schemas.microsoft.com/office/drawing/2014/main" id="{092E01E9-4044-49B1-9116-4F86C34BD5AA}"/>
+              </a:ext>
+            </a:extLst>
+          </p:cNvPr>
+          <p:cNvSpPr txBox="1"/>
+          <p:nvPr/>
+        </p:nvSpPr>
+        <p:spPr>
+          <a:xfrm>
+            <a:off x="2096585" y="3418910"/>
+            <a:ext cx="1175657" cy="369332"/>
+          </a:xfrm>
+          <a:prstGeom prst="rect">
+            <a:avLst/>
+          </a:prstGeom>
+          <a:noFill/>
+        </p:spPr>
+        <p:txBody>
+          <a:bodyPr wrap="square" rtlCol="0">
+            <a:spAutoFit/>
+          </a:bodyPr>
+          <a:lstStyle/>
+          <a:p>
+            <a:r>
+              <a:rPr lang="en-IN" dirty="0" err="1"/>
+              <a:t>SRResNet</a:t>
+            </a:r>
+            <a:endParaRPr lang="en-IN" dirty="0"/>
+          </a:p>
+        </p:txBody>
+      </p:sp>
+      <p:sp>
+        <p:nvSpPr>
+          <p:cNvPr id="17" name="TextBox 16">
+            <a:extLst>
+              <a:ext uri="{FF2B5EF4-FFF2-40B4-BE49-F238E27FC236}">
+                <a16:creationId xmlns:a16="http://schemas.microsoft.com/office/drawing/2014/main" id="{3BC9FE91-85E5-4160-98CA-0D7B3138148E}"/>
+              </a:ext>
+            </a:extLst>
+          </p:cNvPr>
+          <p:cNvSpPr txBox="1"/>
+          <p:nvPr/>
+        </p:nvSpPr>
+        <p:spPr>
+          <a:xfrm>
+            <a:off x="1558831" y="0"/>
+            <a:ext cx="2251167" cy="369332"/>
+          </a:xfrm>
+          <a:prstGeom prst="rect">
+            <a:avLst/>
+          </a:prstGeom>
+          <a:noFill/>
+        </p:spPr>
+        <p:txBody>
+          <a:bodyPr wrap="square" rtlCol="0">
+            <a:spAutoFit/>
+          </a:bodyPr>
+          <a:lstStyle/>
+          <a:p>
+            <a:r>
+              <a:rPr lang="en-IN" dirty="0"/>
+              <a:t>Bicubic Interpolation</a:t>
+            </a:r>
+          </a:p>
+        </p:txBody>
+      </p:sp>
+      <p:sp>
+        <p:nvSpPr>
+          <p:cNvPr id="18" name="TextBox 17">
+            <a:extLst>
+              <a:ext uri="{FF2B5EF4-FFF2-40B4-BE49-F238E27FC236}">
+                <a16:creationId xmlns:a16="http://schemas.microsoft.com/office/drawing/2014/main" id="{97A6F709-9EA3-4C6B-829F-D15F2FCD2D71}"/>
+              </a:ext>
+            </a:extLst>
+          </p:cNvPr>
+          <p:cNvSpPr txBox="1"/>
+          <p:nvPr/>
+        </p:nvSpPr>
+        <p:spPr>
+          <a:xfrm>
+            <a:off x="7585980" y="0"/>
+            <a:ext cx="1541419" cy="369332"/>
+          </a:xfrm>
+          <a:prstGeom prst="rect">
+            <a:avLst/>
+          </a:prstGeom>
+          <a:noFill/>
+        </p:spPr>
+        <p:txBody>
+          <a:bodyPr wrap="square" rtlCol="0">
+            <a:spAutoFit/>
+          </a:bodyPr>
+          <a:lstStyle/>
+          <a:p>
+            <a:r>
+              <a:rPr lang="en-IN" dirty="0"/>
+              <a:t>Ground Truth</a:t>
+            </a:r>
+          </a:p>
+        </p:txBody>
+      </p:sp>
+    </p:spTree>
+    <p:extLst>
+      <p:ext uri="{BB962C8B-B14F-4D97-AF65-F5344CB8AC3E}">
+        <p14:creationId xmlns:p14="http://schemas.microsoft.com/office/powerpoint/2010/main" val="20559969"/>
+      </p:ext>
+    </p:extLst>
+  </p:cSld>
+  <p:clrMapOvr>
+    <a:masterClrMapping/>
+  </p:clrMapOvr>
+</p:sld>
+</file>
+
 <file path=ppt/theme/theme1.xml><?xml version="1.0" encoding="utf-8"?>
 <a:theme xmlns:a="http://schemas.openxmlformats.org/drawingml/2006/main" name="Office Theme">
   <a:themeElements>
